--- a/PSSummit-ChristophBergmeister.pptx
+++ b/PSSummit-ChristophBergmeister.pptx
@@ -250,7 +250,7 @@
           <a:p>
             <a:fld id="{0F7A0D19-79C8-4BF9-9C96-483AF882138B}" type="datetimeFigureOut">
               <a:rPr lang="en-US" smtClean="0"/>
-              <a:t>29-Apr-19</a:t>
+              <a:t>30-Apr-19</a:t>
             </a:fld>
             <a:endParaRPr lang="en-US"/>
           </a:p>
@@ -1468,7 +1468,7 @@
             <a:fld id="{B61BEF0D-F0BB-DE4B-95CE-6DB70DBA9567}" type="datetimeFigureOut">
               <a:rPr lang="en-US" smtClean="0"/>
               <a:pPr/>
-              <a:t>29-Apr-19</a:t>
+              <a:t>30-Apr-19</a:t>
             </a:fld>
             <a:endParaRPr lang="en-US" dirty="0"/>
           </a:p>
@@ -2048,7 +2048,7 @@
             <a:fld id="{B61BEF0D-F0BB-DE4B-95CE-6DB70DBA9567}" type="datetimeFigureOut">
               <a:rPr lang="en-US" smtClean="0"/>
               <a:pPr/>
-              <a:t>29-Apr-19</a:t>
+              <a:t>30-Apr-19</a:t>
             </a:fld>
             <a:endParaRPr lang="en-US" dirty="0"/>
           </a:p>
@@ -2290,7 +2290,7 @@
             <a:fld id="{B61BEF0D-F0BB-DE4B-95CE-6DB70DBA9567}" type="datetimeFigureOut">
               <a:rPr lang="en-US" smtClean="0"/>
               <a:pPr/>
-              <a:t>29-Apr-19</a:t>
+              <a:t>30-Apr-19</a:t>
             </a:fld>
             <a:endParaRPr lang="en-US" dirty="0"/>
           </a:p>
@@ -2546,7 +2546,7 @@
             <a:fld id="{B61BEF0D-F0BB-DE4B-95CE-6DB70DBA9567}" type="datetimeFigureOut">
               <a:rPr lang="en-US" smtClean="0"/>
               <a:pPr/>
-              <a:t>29-Apr-19</a:t>
+              <a:t>30-Apr-19</a:t>
             </a:fld>
             <a:endParaRPr lang="en-US" dirty="0"/>
           </a:p>
@@ -2907,7 +2907,7 @@
             <a:fld id="{B61BEF0D-F0BB-DE4B-95CE-6DB70DBA9567}" type="datetimeFigureOut">
               <a:rPr lang="en-US" smtClean="0"/>
               <a:pPr/>
-              <a:t>29-Apr-19</a:t>
+              <a:t>30-Apr-19</a:t>
             </a:fld>
             <a:endParaRPr lang="en-US" dirty="0"/>
           </a:p>
@@ -3021,7 +3021,7 @@
             <a:fld id="{B61BEF0D-F0BB-DE4B-95CE-6DB70DBA9567}" type="datetimeFigureOut">
               <a:rPr lang="en-US" smtClean="0"/>
               <a:pPr/>
-              <a:t>29-Apr-19</a:t>
+              <a:t>30-Apr-19</a:t>
             </a:fld>
             <a:endParaRPr lang="en-US" dirty="0"/>
           </a:p>
@@ -3113,7 +3113,7 @@
             <a:fld id="{B61BEF0D-F0BB-DE4B-95CE-6DB70DBA9567}" type="datetimeFigureOut">
               <a:rPr lang="en-US" smtClean="0"/>
               <a:pPr/>
-              <a:t>29-Apr-19</a:t>
+              <a:t>30-Apr-19</a:t>
             </a:fld>
             <a:endParaRPr lang="en-US" dirty="0"/>
           </a:p>
@@ -3385,7 +3385,7 @@
             <a:fld id="{B61BEF0D-F0BB-DE4B-95CE-6DB70DBA9567}" type="datetimeFigureOut">
               <a:rPr lang="en-US" smtClean="0"/>
               <a:pPr/>
-              <a:t>29-Apr-19</a:t>
+              <a:t>30-Apr-19</a:t>
             </a:fld>
             <a:endParaRPr lang="en-US" dirty="0"/>
           </a:p>
@@ -3634,7 +3634,7 @@
             <a:fld id="{B61BEF0D-F0BB-DE4B-95CE-6DB70DBA9567}" type="datetimeFigureOut">
               <a:rPr lang="en-US" smtClean="0"/>
               <a:pPr/>
-              <a:t>29-Apr-19</a:t>
+              <a:t>30-Apr-19</a:t>
             </a:fld>
             <a:endParaRPr lang="en-US" dirty="0"/>
           </a:p>
@@ -3842,7 +3842,7 @@
             <a:fld id="{B61BEF0D-F0BB-DE4B-95CE-6DB70DBA9567}" type="datetimeFigureOut">
               <a:rPr lang="en-US" smtClean="0"/>
               <a:pPr/>
-              <a:t>29-Apr-19</a:t>
+              <a:t>30-Apr-19</a:t>
             </a:fld>
             <a:endParaRPr lang="en-US" dirty="0"/>
           </a:p>
@@ -5789,14 +5789,21 @@
             </a:r>
             <a:r>
               <a:rPr lang="en-US" sz="2800" dirty="0"/>
-              <a:t> by </a:t>
+              <a:t> by Lee Holmes (</a:t>
             </a:r>
             <a:r>
               <a:rPr lang="en-US" sz="2800" dirty="0">
                 <a:hlinkClick r:id="rId4"/>
               </a:rPr>
-              <a:t>Lee Holmes</a:t>
-            </a:r>
+              <a:t>blog</a:t>
+            </a:r>
+            <a:r>
+              <a:rPr lang="en-US" sz="2800" dirty="0"/>
+              <a:t>)</a:t>
+            </a:r>
+            <a:endParaRPr lang="en-US" sz="2800" dirty="0">
+              <a:hlinkClick r:id="rId5"/>
+            </a:endParaRPr>
           </a:p>
           <a:p>
             <a:pPr marL="914400" lvl="3" indent="-457200"/>
@@ -6170,9 +6177,16 @@
             <p:ph sz="quarter" idx="13"/>
           </p:nvPr>
         </p:nvSpPr>
-        <p:spPr/>
-        <p:txBody>
-          <a:bodyPr/>
+        <p:spPr>
+          <a:xfrm>
+            <a:off x="1969477" y="3141663"/>
+            <a:ext cx="9224995" cy="2039937"/>
+          </a:xfrm>
+        </p:spPr>
+        <p:txBody>
+          <a:bodyPr>
+            <a:normAutofit/>
+          </a:bodyPr>
           <a:lstStyle/>
           <a:p>
             <a:pPr marL="0" indent="0">
@@ -6190,43 +6204,55 @@
               </a:rPr>
               <a:t>PSCodeHealth</a:t>
             </a:r>
+            <a:r>
+              <a:rPr lang="en-US" dirty="0"/>
+              <a:t> (by </a:t>
+            </a:r>
+            <a:r>
+              <a:rPr lang="en-US" dirty="0" err="1">
+                <a:ea typeface="+mj-lt"/>
+                <a:cs typeface="+mj-lt"/>
+                <a:hlinkClick r:id="rId3">
+                  <a:extLst>
+                    <a:ext uri="{A12FA001-AC4F-418D-AE19-62706E023703}">
+                      <ahyp:hlinkClr xmlns:ahyp="http://schemas.microsoft.com/office/drawing/2018/hyperlinkcolor" xmlns="" xmlns:lc="http://schemas.openxmlformats.org/drawingml/2006/lockedCanvas" val="tx"/>
+                    </a:ext>
+                  </a:extLst>
+                </a:hlinkClick>
+              </a:rPr>
+              <a:t>MathieuBuisson</a:t>
+            </a:r>
+            <a:r>
+              <a:rPr lang="en-US">
+                <a:ea typeface="+mj-lt"/>
+                <a:cs typeface="+mj-lt"/>
+              </a:rPr>
+              <a:t>)</a:t>
+            </a:r>
+            <a:r>
+              <a:rPr lang="en-US"/>
+              <a:t> </a:t>
+            </a:r>
+            <a:r>
+              <a:rPr lang="en-US" dirty="0">
+                <a:hlinkClick r:id="rId4"/>
+              </a:rPr>
+              <a:t>Demo</a:t>
+            </a:r>
             <a:endParaRPr lang="en-US" dirty="0"/>
           </a:p>
           <a:p>
             <a:r>
               <a:rPr lang="en-US" dirty="0"/>
-              <a:t>PSSA as Pester test?</a:t>
-            </a:r>
-          </a:p>
-          <a:p>
-            <a:r>
-              <a:rPr lang="en-US" dirty="0"/>
-              <a:t>AST? -&gt; Show-</a:t>
-            </a:r>
-            <a:r>
-              <a:rPr lang="en-US" dirty="0" err="1"/>
-              <a:t>Ast</a:t>
-            </a:r>
-            <a:r>
-              <a:rPr lang="en-US" dirty="0"/>
-              <a:t> { if($a -</a:t>
-            </a:r>
-            <a:r>
-              <a:rPr lang="en-US" dirty="0" err="1"/>
-              <a:t>eq</a:t>
-            </a:r>
-            <a:r>
-              <a:rPr lang="en-US" dirty="0"/>
-              <a:t> "$</a:t>
-            </a:r>
-            <a:r>
-              <a:rPr lang="en-US" dirty="0" err="1"/>
-              <a:t>b.wth</a:t>
-            </a:r>
-            <a:r>
-              <a:rPr lang="en-US" dirty="0"/>
-              <a:t>()"){ }  }</a:t>
-            </a:r>
+              <a:t>PSSA as Pester test: </a:t>
+            </a:r>
+            <a:r>
+              <a:rPr lang="en-US" dirty="0">
+                <a:hlinkClick r:id="rId5"/>
+              </a:rPr>
+              <a:t>https://github.com/bergmeister/posh-profile/blob/master/test/psscriptanalyzer.tests.ps1</a:t>
+            </a:r>
+            <a:endParaRPr lang="en-US" dirty="0"/>
           </a:p>
           <a:p>
             <a:pPr marL="0" indent="0">
